--- a/doc/ppt/第十一课-php面向对象.pptx
+++ b/doc/ppt/第十一课-php面向对象.pptx
@@ -6,6 +6,15 @@
   </p:sldMasterIdLst>
   <p:sldIdLst>
     <p:sldId id="256" r:id="rId2"/>
+    <p:sldId id="257" r:id="rId3"/>
+    <p:sldId id="258" r:id="rId4"/>
+    <p:sldId id="260" r:id="rId5"/>
+    <p:sldId id="259" r:id="rId6"/>
+    <p:sldId id="261" r:id="rId7"/>
+    <p:sldId id="262" r:id="rId8"/>
+    <p:sldId id="263" r:id="rId9"/>
+    <p:sldId id="264" r:id="rId10"/>
+    <p:sldId id="265" r:id="rId11"/>
   </p:sldIdLst>
   <p:sldSz cx="12192000" cy="6858000"/>
   <p:notesSz cx="6858000" cy="9144000"/>
@@ -104,6 +113,11 @@
       </a:defRPr>
     </a:lvl9pPr>
   </p:defaultTextStyle>
+  <p:extLst>
+    <p:ext uri="{EFAFB233-063F-42B5-8137-9DF3F51BA10A}">
+      <p15:sldGuideLst xmlns:p15="http://schemas.microsoft.com/office/powerpoint/2012/main"/>
+    </p:ext>
+  </p:extLst>
 </p:presentation>
 </file>
 
@@ -238,7 +252,7 @@
           <a:p>
             <a:fld id="{780A44A2-7212-4E4F-BCF7-1635B870F090}" type="datetimeFigureOut">
               <a:rPr lang="zh-CN" altLang="en-US" smtClean="0"/>
-              <a:t>2017/8/20</a:t>
+              <a:t>2017/8/21</a:t>
             </a:fld>
             <a:endParaRPr lang="zh-CN" altLang="en-US"/>
           </a:p>
@@ -408,7 +422,7 @@
           <a:p>
             <a:fld id="{780A44A2-7212-4E4F-BCF7-1635B870F090}" type="datetimeFigureOut">
               <a:rPr lang="zh-CN" altLang="en-US" smtClean="0"/>
-              <a:t>2017/8/20</a:t>
+              <a:t>2017/8/21</a:t>
             </a:fld>
             <a:endParaRPr lang="zh-CN" altLang="en-US"/>
           </a:p>
@@ -588,7 +602,7 @@
           <a:p>
             <a:fld id="{780A44A2-7212-4E4F-BCF7-1635B870F090}" type="datetimeFigureOut">
               <a:rPr lang="zh-CN" altLang="en-US" smtClean="0"/>
-              <a:t>2017/8/20</a:t>
+              <a:t>2017/8/21</a:t>
             </a:fld>
             <a:endParaRPr lang="zh-CN" altLang="en-US"/>
           </a:p>
@@ -758,7 +772,7 @@
           <a:p>
             <a:fld id="{780A44A2-7212-4E4F-BCF7-1635B870F090}" type="datetimeFigureOut">
               <a:rPr lang="zh-CN" altLang="en-US" smtClean="0"/>
-              <a:t>2017/8/20</a:t>
+              <a:t>2017/8/21</a:t>
             </a:fld>
             <a:endParaRPr lang="zh-CN" altLang="en-US"/>
           </a:p>
@@ -1004,7 +1018,7 @@
           <a:p>
             <a:fld id="{780A44A2-7212-4E4F-BCF7-1635B870F090}" type="datetimeFigureOut">
               <a:rPr lang="zh-CN" altLang="en-US" smtClean="0"/>
-              <a:t>2017/8/20</a:t>
+              <a:t>2017/8/21</a:t>
             </a:fld>
             <a:endParaRPr lang="zh-CN" altLang="en-US"/>
           </a:p>
@@ -1236,7 +1250,7 @@
           <a:p>
             <a:fld id="{780A44A2-7212-4E4F-BCF7-1635B870F090}" type="datetimeFigureOut">
               <a:rPr lang="zh-CN" altLang="en-US" smtClean="0"/>
-              <a:t>2017/8/20</a:t>
+              <a:t>2017/8/21</a:t>
             </a:fld>
             <a:endParaRPr lang="zh-CN" altLang="en-US"/>
           </a:p>
@@ -1603,7 +1617,7 @@
           <a:p>
             <a:fld id="{780A44A2-7212-4E4F-BCF7-1635B870F090}" type="datetimeFigureOut">
               <a:rPr lang="zh-CN" altLang="en-US" smtClean="0"/>
-              <a:t>2017/8/20</a:t>
+              <a:t>2017/8/21</a:t>
             </a:fld>
             <a:endParaRPr lang="zh-CN" altLang="en-US"/>
           </a:p>
@@ -1721,7 +1735,7 @@
           <a:p>
             <a:fld id="{780A44A2-7212-4E4F-BCF7-1635B870F090}" type="datetimeFigureOut">
               <a:rPr lang="zh-CN" altLang="en-US" smtClean="0"/>
-              <a:t>2017/8/20</a:t>
+              <a:t>2017/8/21</a:t>
             </a:fld>
             <a:endParaRPr lang="zh-CN" altLang="en-US"/>
           </a:p>
@@ -1816,7 +1830,7 @@
           <a:p>
             <a:fld id="{780A44A2-7212-4E4F-BCF7-1635B870F090}" type="datetimeFigureOut">
               <a:rPr lang="zh-CN" altLang="en-US" smtClean="0"/>
-              <a:t>2017/8/20</a:t>
+              <a:t>2017/8/21</a:t>
             </a:fld>
             <a:endParaRPr lang="zh-CN" altLang="en-US"/>
           </a:p>
@@ -2093,7 +2107,7 @@
           <a:p>
             <a:fld id="{780A44A2-7212-4E4F-BCF7-1635B870F090}" type="datetimeFigureOut">
               <a:rPr lang="zh-CN" altLang="en-US" smtClean="0"/>
-              <a:t>2017/8/20</a:t>
+              <a:t>2017/8/21</a:t>
             </a:fld>
             <a:endParaRPr lang="zh-CN" altLang="en-US"/>
           </a:p>
@@ -2346,7 +2360,7 @@
           <a:p>
             <a:fld id="{780A44A2-7212-4E4F-BCF7-1635B870F090}" type="datetimeFigureOut">
               <a:rPr lang="zh-CN" altLang="en-US" smtClean="0"/>
-              <a:t>2017/8/20</a:t>
+              <a:t>2017/8/21</a:t>
             </a:fld>
             <a:endParaRPr lang="zh-CN" altLang="en-US"/>
           </a:p>
@@ -2559,7 +2573,7 @@
           <a:p>
             <a:fld id="{780A44A2-7212-4E4F-BCF7-1635B870F090}" type="datetimeFigureOut">
               <a:rPr lang="zh-CN" altLang="en-US" smtClean="0"/>
-              <a:t>2017/8/20</a:t>
+              <a:t>2017/8/21</a:t>
             </a:fld>
             <a:endParaRPr lang="zh-CN" altLang="en-US"/>
           </a:p>
@@ -3023,6 +3037,1427 @@
 </p:sld>
 </file>
 
+<file path=ppt/slides/slide10.xml><?xml version="1.0" encoding="utf-8"?>
+<p:sld xmlns:a="http://schemas.openxmlformats.org/drawingml/2006/main" xmlns:r="http://schemas.openxmlformats.org/officeDocument/2006/relationships" xmlns:p="http://schemas.openxmlformats.org/presentationml/2006/main">
+  <p:cSld>
+    <p:spTree>
+      <p:nvGrpSpPr>
+        <p:cNvPr id="1" name=""/>
+        <p:cNvGrpSpPr/>
+        <p:nvPr/>
+      </p:nvGrpSpPr>
+      <p:grpSpPr>
+        <a:xfrm>
+          <a:off x="0" y="0"/>
+          <a:ext cx="0" cy="0"/>
+          <a:chOff x="0" y="0"/>
+          <a:chExt cx="0" cy="0"/>
+        </a:xfrm>
+      </p:grpSpPr>
+      <p:sp>
+        <p:nvSpPr>
+          <p:cNvPr id="2" name="标题 1"/>
+          <p:cNvSpPr>
+            <a:spLocks noGrp="1"/>
+          </p:cNvSpPr>
+          <p:nvPr>
+            <p:ph type="title"/>
+          </p:nvPr>
+        </p:nvSpPr>
+        <p:spPr/>
+        <p:txBody>
+          <a:bodyPr/>
+          <a:lstStyle/>
+          <a:p>
+            <a:r>
+              <a:rPr lang="zh-CN" altLang="en-US" dirty="0" smtClean="0"/>
+              <a:t>静态</a:t>
+            </a:r>
+            <a:endParaRPr lang="zh-CN" altLang="en-US" dirty="0"/>
+          </a:p>
+        </p:txBody>
+      </p:sp>
+      <p:sp>
+        <p:nvSpPr>
+          <p:cNvPr id="3" name="内容占位符 2"/>
+          <p:cNvSpPr>
+            <a:spLocks noGrp="1"/>
+          </p:cNvSpPr>
+          <p:nvPr>
+            <p:ph idx="1"/>
+          </p:nvPr>
+        </p:nvSpPr>
+        <p:spPr/>
+        <p:txBody>
+          <a:bodyPr>
+            <a:normAutofit fontScale="92500" lnSpcReduction="20000"/>
+          </a:bodyPr>
+          <a:lstStyle/>
+          <a:p>
+            <a:r>
+              <a:rPr lang="en-US" altLang="zh-CN" dirty="0" smtClean="0"/>
+              <a:t>static </a:t>
+            </a:r>
+            <a:r>
+              <a:rPr lang="zh-CN" altLang="en-US" dirty="0" smtClean="0"/>
+              <a:t>关键字</a:t>
+            </a:r>
+            <a:endParaRPr lang="en-US" altLang="zh-CN" dirty="0" smtClean="0"/>
+          </a:p>
+          <a:p>
+            <a:r>
+              <a:rPr lang="zh-CN" altLang="en-US" dirty="0" smtClean="0"/>
+              <a:t>静态变量</a:t>
+            </a:r>
+            <a:endParaRPr lang="en-US" altLang="zh-CN" dirty="0" smtClean="0"/>
+          </a:p>
+          <a:p>
+            <a:pPr lvl="1"/>
+            <a:r>
+              <a:rPr lang="zh-CN" altLang="en-US" dirty="0" smtClean="0"/>
+              <a:t>定义</a:t>
+            </a:r>
+            <a:endParaRPr lang="en-US" altLang="zh-CN" dirty="0" smtClean="0"/>
+          </a:p>
+          <a:p>
+            <a:pPr lvl="1"/>
+            <a:r>
+              <a:rPr lang="zh-CN" altLang="en-US" dirty="0" smtClean="0"/>
+              <a:t>访问</a:t>
+            </a:r>
+            <a:endParaRPr lang="en-US" altLang="zh-CN" dirty="0" smtClean="0"/>
+          </a:p>
+          <a:p>
+            <a:pPr lvl="2"/>
+            <a:r>
+              <a:rPr lang="zh-CN" altLang="en-US" dirty="0" smtClean="0"/>
+              <a:t>内部访问  </a:t>
+            </a:r>
+            <a:r>
+              <a:rPr lang="en-US" altLang="zh-CN" dirty="0" smtClean="0"/>
+              <a:t>self::$p</a:t>
+            </a:r>
+          </a:p>
+          <a:p>
+            <a:pPr lvl="2"/>
+            <a:r>
+              <a:rPr lang="zh-CN" altLang="en-US" dirty="0" smtClean="0"/>
+              <a:t>外部访问 </a:t>
+            </a:r>
+            <a:r>
+              <a:rPr lang="en-US" altLang="zh-CN" dirty="0" smtClean="0"/>
+              <a:t>class::$p</a:t>
+            </a:r>
+          </a:p>
+          <a:p>
+            <a:pPr lvl="2"/>
+            <a:r>
+              <a:rPr lang="zh-CN" altLang="en-US" dirty="0" smtClean="0"/>
+              <a:t>不能使用</a:t>
+            </a:r>
+            <a:r>
+              <a:rPr lang="en-US" altLang="zh-CN" dirty="0" smtClean="0"/>
+              <a:t>$this</a:t>
+            </a:r>
+          </a:p>
+          <a:p>
+            <a:r>
+              <a:rPr lang="zh-CN" altLang="en-US" dirty="0" smtClean="0"/>
+              <a:t>静态方法</a:t>
+            </a:r>
+            <a:endParaRPr lang="en-US" altLang="zh-CN" dirty="0" smtClean="0"/>
+          </a:p>
+          <a:p>
+            <a:pPr lvl="1"/>
+            <a:r>
+              <a:rPr lang="zh-CN" altLang="en-US" dirty="0" smtClean="0"/>
+              <a:t>定义</a:t>
+            </a:r>
+            <a:endParaRPr lang="en-US" altLang="zh-CN" dirty="0" smtClean="0"/>
+          </a:p>
+          <a:p>
+            <a:pPr lvl="1"/>
+            <a:r>
+              <a:rPr lang="zh-CN" altLang="en-US" dirty="0" smtClean="0"/>
+              <a:t>访问</a:t>
+            </a:r>
+            <a:endParaRPr lang="en-US" altLang="zh-CN" dirty="0" smtClean="0"/>
+          </a:p>
+          <a:p>
+            <a:pPr lvl="2"/>
+            <a:r>
+              <a:rPr lang="zh-CN" altLang="en-US" dirty="0"/>
+              <a:t>内部访问  </a:t>
+            </a:r>
+            <a:r>
+              <a:rPr lang="en-US" altLang="zh-CN" dirty="0"/>
+              <a:t>self</a:t>
+            </a:r>
+            <a:r>
+              <a:rPr lang="en-US" altLang="zh-CN" dirty="0" smtClean="0"/>
+              <a:t>::fun()</a:t>
+            </a:r>
+            <a:endParaRPr lang="en-US" altLang="zh-CN" dirty="0"/>
+          </a:p>
+          <a:p>
+            <a:pPr lvl="2"/>
+            <a:r>
+              <a:rPr lang="zh-CN" altLang="en-US" dirty="0"/>
+              <a:t>外部访问 </a:t>
+            </a:r>
+            <a:r>
+              <a:rPr lang="en-US" altLang="zh-CN" dirty="0"/>
+              <a:t>class</a:t>
+            </a:r>
+            <a:r>
+              <a:rPr lang="en-US" altLang="zh-CN" dirty="0" smtClean="0"/>
+              <a:t>::fun()</a:t>
+            </a:r>
+          </a:p>
+          <a:p>
+            <a:pPr lvl="2"/>
+            <a:r>
+              <a:rPr lang="zh-CN" altLang="en-US" dirty="0" smtClean="0"/>
+              <a:t>不能使用</a:t>
+            </a:r>
+            <a:r>
+              <a:rPr lang="en-US" altLang="zh-CN" dirty="0" smtClean="0"/>
+              <a:t>$this</a:t>
+            </a:r>
+            <a:endParaRPr lang="en-US" altLang="zh-CN" dirty="0"/>
+          </a:p>
+          <a:p>
+            <a:pPr lvl="2"/>
+            <a:endParaRPr lang="en-US" altLang="zh-CN" dirty="0" smtClean="0"/>
+          </a:p>
+          <a:p>
+            <a:pPr marL="457200" lvl="1" indent="0">
+              <a:buNone/>
+            </a:pPr>
+            <a:endParaRPr lang="en-US" altLang="zh-CN" dirty="0" smtClean="0"/>
+          </a:p>
+        </p:txBody>
+      </p:sp>
+    </p:spTree>
+    <p:extLst>
+      <p:ext uri="{BB962C8B-B14F-4D97-AF65-F5344CB8AC3E}">
+        <p14:creationId xmlns:p14="http://schemas.microsoft.com/office/powerpoint/2010/main" val="1247090080"/>
+      </p:ext>
+    </p:extLst>
+  </p:cSld>
+  <p:clrMapOvr>
+    <a:masterClrMapping/>
+  </p:clrMapOvr>
+</p:sld>
+</file>
+
+<file path=ppt/slides/slide2.xml><?xml version="1.0" encoding="utf-8"?>
+<p:sld xmlns:a="http://schemas.openxmlformats.org/drawingml/2006/main" xmlns:r="http://schemas.openxmlformats.org/officeDocument/2006/relationships" xmlns:p="http://schemas.openxmlformats.org/presentationml/2006/main">
+  <p:cSld>
+    <p:spTree>
+      <p:nvGrpSpPr>
+        <p:cNvPr id="1" name=""/>
+        <p:cNvGrpSpPr/>
+        <p:nvPr/>
+      </p:nvGrpSpPr>
+      <p:grpSpPr>
+        <a:xfrm>
+          <a:off x="0" y="0"/>
+          <a:ext cx="0" cy="0"/>
+          <a:chOff x="0" y="0"/>
+          <a:chExt cx="0" cy="0"/>
+        </a:xfrm>
+      </p:grpSpPr>
+      <p:sp>
+        <p:nvSpPr>
+          <p:cNvPr id="2" name="标题 1"/>
+          <p:cNvSpPr>
+            <a:spLocks noGrp="1"/>
+          </p:cNvSpPr>
+          <p:nvPr>
+            <p:ph type="title"/>
+          </p:nvPr>
+        </p:nvSpPr>
+        <p:spPr/>
+        <p:txBody>
+          <a:bodyPr/>
+          <a:lstStyle/>
+          <a:p>
+            <a:r>
+              <a:rPr lang="zh-CN" altLang="en-US" dirty="0" smtClean="0"/>
+              <a:t>什么是类</a:t>
+            </a:r>
+            <a:r>
+              <a:rPr lang="en-US" altLang="zh-CN" dirty="0" smtClean="0"/>
+              <a:t>(</a:t>
+            </a:r>
+            <a:r>
+              <a:rPr lang="zh-CN" altLang="en-US" dirty="0" smtClean="0"/>
+              <a:t>现实中的物体</a:t>
+            </a:r>
+            <a:r>
+              <a:rPr lang="en-US" altLang="zh-CN" dirty="0" smtClean="0"/>
+              <a:t>)</a:t>
+            </a:r>
+            <a:endParaRPr lang="zh-CN" altLang="en-US" dirty="0"/>
+          </a:p>
+        </p:txBody>
+      </p:sp>
+      <p:sp>
+        <p:nvSpPr>
+          <p:cNvPr id="3" name="内容占位符 2"/>
+          <p:cNvSpPr>
+            <a:spLocks noGrp="1"/>
+          </p:cNvSpPr>
+          <p:nvPr>
+            <p:ph idx="1"/>
+          </p:nvPr>
+        </p:nvSpPr>
+        <p:spPr/>
+        <p:txBody>
+          <a:bodyPr>
+            <a:normAutofit fontScale="55000" lnSpcReduction="20000"/>
+          </a:bodyPr>
+          <a:lstStyle/>
+          <a:p>
+            <a:r>
+              <a:rPr lang="zh-CN" altLang="en-US" dirty="0" smtClean="0"/>
+              <a:t>类是方法和属性的集合</a:t>
+            </a:r>
+            <a:endParaRPr lang="en-US" altLang="zh-CN" dirty="0" smtClean="0"/>
+          </a:p>
+          <a:p>
+            <a:r>
+              <a:rPr lang="zh-CN" altLang="en-US" dirty="0" smtClean="0"/>
+              <a:t>类以</a:t>
+            </a:r>
+            <a:r>
+              <a:rPr lang="en-US" altLang="zh-CN" dirty="0" smtClean="0"/>
+              <a:t>class</a:t>
+            </a:r>
+            <a:r>
+              <a:rPr lang="zh-CN" altLang="en-US" dirty="0" smtClean="0"/>
+              <a:t>开头，后接类名，再接一对花括号</a:t>
+            </a:r>
+            <a:endParaRPr lang="en-US" altLang="zh-CN" dirty="0" smtClean="0"/>
+          </a:p>
+          <a:p>
+            <a:r>
+              <a:rPr lang="zh-CN" altLang="en-US" dirty="0"/>
+              <a:t>类</a:t>
+            </a:r>
+            <a:r>
+              <a:rPr lang="zh-CN" altLang="en-US" dirty="0" smtClean="0"/>
+              <a:t>名需要以字母或下划线开头，后接若干个字母、数字、下划线组成</a:t>
+            </a:r>
+            <a:endParaRPr lang="en-US" altLang="zh-CN" dirty="0" smtClean="0"/>
+          </a:p>
+          <a:p>
+            <a:r>
+              <a:rPr lang="zh-CN" altLang="en-US" dirty="0" smtClean="0"/>
+              <a:t>类包含 类常量、类方法、类变量</a:t>
+            </a:r>
+            <a:endParaRPr lang="en-US" altLang="zh-CN" dirty="0" smtClean="0"/>
+          </a:p>
+          <a:p>
+            <a:r>
+              <a:rPr lang="zh-CN" altLang="en-US" dirty="0" smtClean="0"/>
+              <a:t>类方法中的</a:t>
+            </a:r>
+            <a:r>
+              <a:rPr lang="en-US" altLang="zh-CN" dirty="0" smtClean="0"/>
+              <a:t>$this  </a:t>
+            </a:r>
+            <a:r>
+              <a:rPr lang="zh-CN" altLang="en-US" dirty="0" smtClean="0"/>
+              <a:t>伪变量</a:t>
+            </a:r>
+            <a:endParaRPr lang="en-US" altLang="zh-CN" dirty="0" smtClean="0"/>
+          </a:p>
+          <a:p>
+            <a:r>
+              <a:rPr lang="en-US" altLang="zh-CN" dirty="0" smtClean="0"/>
+              <a:t>::class </a:t>
+            </a:r>
+            <a:r>
+              <a:rPr lang="zh-CN" altLang="en-US" dirty="0" smtClean="0"/>
+              <a:t>获取完全的类名</a:t>
+            </a:r>
+            <a:endParaRPr lang="en-US" altLang="zh-CN" dirty="0" smtClean="0"/>
+          </a:p>
+          <a:p>
+            <a:r>
+              <a:rPr lang="zh-CN" altLang="en-US" dirty="0" smtClean="0"/>
+              <a:t>类继承</a:t>
+            </a:r>
+            <a:endParaRPr lang="en-US" altLang="zh-CN" dirty="0" smtClean="0"/>
+          </a:p>
+          <a:p>
+            <a:pPr lvl="1"/>
+            <a:r>
+              <a:rPr lang="zh-CN" altLang="en-US" dirty="0" smtClean="0"/>
+              <a:t>继承会继承父类的方法、变量和常量</a:t>
+            </a:r>
+            <a:endParaRPr lang="en-US" altLang="zh-CN" dirty="0" smtClean="0"/>
+          </a:p>
+          <a:p>
+            <a:pPr lvl="1"/>
+            <a:r>
+              <a:rPr lang="zh-CN" altLang="en-US" dirty="0"/>
+              <a:t>不</a:t>
+            </a:r>
+            <a:r>
+              <a:rPr lang="zh-CN" altLang="en-US" dirty="0" smtClean="0"/>
+              <a:t>支持多重继承</a:t>
+            </a:r>
+            <a:endParaRPr lang="en-US" altLang="zh-CN" dirty="0" smtClean="0"/>
+          </a:p>
+          <a:p>
+            <a:pPr lvl="1"/>
+            <a:r>
+              <a:rPr lang="zh-CN" altLang="en-US" dirty="0" smtClean="0"/>
+              <a:t>同名方法和属性会被覆盖</a:t>
+            </a:r>
+            <a:endParaRPr lang="en-US" altLang="zh-CN" dirty="0" smtClean="0"/>
+          </a:p>
+          <a:p>
+            <a:pPr lvl="1"/>
+            <a:r>
+              <a:rPr lang="zh-CN" altLang="en-US" dirty="0"/>
+              <a:t>父</a:t>
+            </a:r>
+            <a:r>
+              <a:rPr lang="zh-CN" altLang="en-US" dirty="0" smtClean="0"/>
+              <a:t>类使用了</a:t>
+            </a:r>
+            <a:r>
+              <a:rPr lang="en-US" altLang="zh-CN" dirty="0" smtClean="0"/>
+              <a:t>final</a:t>
+            </a:r>
+            <a:r>
+              <a:rPr lang="zh-CN" altLang="en-US" dirty="0" smtClean="0"/>
+              <a:t>，则不允许被覆盖</a:t>
+            </a:r>
+            <a:endParaRPr lang="en-US" altLang="zh-CN" dirty="0" smtClean="0"/>
+          </a:p>
+          <a:p>
+            <a:pPr lvl="1"/>
+            <a:r>
+              <a:rPr lang="en-US" altLang="zh-CN" dirty="0" smtClean="0"/>
+              <a:t>parent </a:t>
+            </a:r>
+            <a:r>
+              <a:rPr lang="zh-CN" altLang="en-US" dirty="0" smtClean="0"/>
+              <a:t>访问父类被覆盖的方法</a:t>
+            </a:r>
+            <a:endParaRPr lang="en-US" altLang="zh-CN" dirty="0" smtClean="0"/>
+          </a:p>
+          <a:p>
+            <a:pPr lvl="1"/>
+            <a:r>
+              <a:rPr lang="zh-CN" altLang="en-US" dirty="0" smtClean="0"/>
+              <a:t>覆盖方法时，参数必须保持一致。构造函数例外</a:t>
+            </a:r>
+            <a:endParaRPr lang="en-US" altLang="zh-CN" dirty="0" smtClean="0"/>
+          </a:p>
+          <a:p>
+            <a:r>
+              <a:rPr lang="en-US" altLang="zh-CN" dirty="0" smtClean="0"/>
+              <a:t>new</a:t>
+            </a:r>
+            <a:r>
+              <a:rPr lang="zh-CN" altLang="en-US" dirty="0" smtClean="0"/>
+              <a:t>操作</a:t>
+            </a:r>
+            <a:endParaRPr lang="en-US" altLang="zh-CN" dirty="0" smtClean="0"/>
+          </a:p>
+          <a:p>
+            <a:pPr lvl="1"/>
+            <a:r>
+              <a:rPr lang="en-US" altLang="zh-CN" dirty="0" smtClean="0"/>
+              <a:t>new self / new parent</a:t>
+            </a:r>
+          </a:p>
+          <a:p>
+            <a:pPr lvl="1"/>
+            <a:r>
+              <a:rPr lang="en-US" altLang="zh-CN" dirty="0" smtClean="0"/>
+              <a:t>new static</a:t>
+            </a:r>
+          </a:p>
+          <a:p>
+            <a:pPr lvl="1"/>
+            <a:r>
+              <a:rPr lang="en-US" altLang="zh-CN" dirty="0" smtClean="0"/>
+              <a:t>new </a:t>
+            </a:r>
+            <a:r>
+              <a:rPr lang="en-US" altLang="zh-CN" dirty="0" err="1" smtClean="0"/>
+              <a:t>obj</a:t>
+            </a:r>
+            <a:endParaRPr lang="en-US" altLang="zh-CN" dirty="0" smtClean="0"/>
+          </a:p>
+        </p:txBody>
+      </p:sp>
+    </p:spTree>
+    <p:extLst>
+      <p:ext uri="{BB962C8B-B14F-4D97-AF65-F5344CB8AC3E}">
+        <p14:creationId xmlns:p14="http://schemas.microsoft.com/office/powerpoint/2010/main" val="4233997887"/>
+      </p:ext>
+    </p:extLst>
+  </p:cSld>
+  <p:clrMapOvr>
+    <a:masterClrMapping/>
+  </p:clrMapOvr>
+</p:sld>
+</file>
+
+<file path=ppt/slides/slide3.xml><?xml version="1.0" encoding="utf-8"?>
+<p:sld xmlns:a="http://schemas.openxmlformats.org/drawingml/2006/main" xmlns:r="http://schemas.openxmlformats.org/officeDocument/2006/relationships" xmlns:p="http://schemas.openxmlformats.org/presentationml/2006/main">
+  <p:cSld>
+    <p:spTree>
+      <p:nvGrpSpPr>
+        <p:cNvPr id="1" name=""/>
+        <p:cNvGrpSpPr/>
+        <p:nvPr/>
+      </p:nvGrpSpPr>
+      <p:grpSpPr>
+        <a:xfrm>
+          <a:off x="0" y="0"/>
+          <a:ext cx="0" cy="0"/>
+          <a:chOff x="0" y="0"/>
+          <a:chExt cx="0" cy="0"/>
+        </a:xfrm>
+      </p:grpSpPr>
+      <p:sp>
+        <p:nvSpPr>
+          <p:cNvPr id="2" name="标题 1"/>
+          <p:cNvSpPr>
+            <a:spLocks noGrp="1"/>
+          </p:cNvSpPr>
+          <p:nvPr>
+            <p:ph type="title"/>
+          </p:nvPr>
+        </p:nvSpPr>
+        <p:spPr/>
+        <p:txBody>
+          <a:bodyPr/>
+          <a:lstStyle/>
+          <a:p>
+            <a:r>
+              <a:rPr lang="zh-CN" altLang="en-US" dirty="0" smtClean="0"/>
+              <a:t>类中的属性</a:t>
+            </a:r>
+            <a:endParaRPr lang="zh-CN" altLang="en-US" dirty="0"/>
+          </a:p>
+        </p:txBody>
+      </p:sp>
+      <p:sp>
+        <p:nvSpPr>
+          <p:cNvPr id="3" name="内容占位符 2"/>
+          <p:cNvSpPr>
+            <a:spLocks noGrp="1"/>
+          </p:cNvSpPr>
+          <p:nvPr>
+            <p:ph idx="1"/>
+          </p:nvPr>
+        </p:nvSpPr>
+        <p:spPr/>
+        <p:txBody>
+          <a:bodyPr/>
+          <a:lstStyle/>
+          <a:p>
+            <a:r>
+              <a:rPr lang="zh-CN" altLang="en-US" dirty="0" smtClean="0"/>
+              <a:t>组成</a:t>
+            </a:r>
+            <a:endParaRPr lang="en-US" altLang="zh-CN" dirty="0" smtClean="0"/>
+          </a:p>
+          <a:p>
+            <a:pPr lvl="1"/>
+            <a:r>
+              <a:rPr lang="zh-CN" altLang="en-US" dirty="0"/>
+              <a:t>使用访问限定符</a:t>
+            </a:r>
+            <a:r>
+              <a:rPr lang="zh-CN" altLang="en-US" dirty="0" smtClean="0"/>
+              <a:t>开头</a:t>
+            </a:r>
+            <a:endParaRPr lang="en-US" altLang="zh-CN" dirty="0"/>
+          </a:p>
+          <a:p>
+            <a:pPr lvl="2"/>
+            <a:r>
+              <a:rPr lang="en-US" altLang="zh-CN" dirty="0" smtClean="0"/>
+              <a:t>public </a:t>
+            </a:r>
+            <a:r>
+              <a:rPr lang="zh-CN" altLang="en-US" dirty="0" smtClean="0"/>
+              <a:t>所以地方都可以访问</a:t>
+            </a:r>
+            <a:endParaRPr lang="en-US" altLang="zh-CN" dirty="0" smtClean="0"/>
+          </a:p>
+          <a:p>
+            <a:pPr lvl="2"/>
+            <a:r>
+              <a:rPr lang="en-US" altLang="zh-CN" dirty="0" smtClean="0"/>
+              <a:t>protected </a:t>
+            </a:r>
+            <a:r>
+              <a:rPr lang="zh-CN" altLang="en-US" dirty="0" smtClean="0"/>
+              <a:t>所属类、父类、子类可以调用</a:t>
+            </a:r>
+            <a:endParaRPr lang="en-US" altLang="zh-CN" dirty="0" smtClean="0"/>
+          </a:p>
+          <a:p>
+            <a:pPr lvl="2"/>
+            <a:r>
+              <a:rPr lang="en-US" altLang="zh-CN" dirty="0" smtClean="0"/>
+              <a:t>private </a:t>
+            </a:r>
+            <a:r>
+              <a:rPr lang="zh-CN" altLang="en-US" dirty="0" smtClean="0"/>
+              <a:t>所属类</a:t>
+            </a:r>
+            <a:endParaRPr lang="en-US" altLang="zh-CN" dirty="0"/>
+          </a:p>
+          <a:p>
+            <a:pPr lvl="1"/>
+            <a:r>
+              <a:rPr lang="zh-CN" altLang="en-US" dirty="0"/>
+              <a:t>后接一个普通的变量</a:t>
+            </a:r>
+            <a:r>
+              <a:rPr lang="zh-CN" altLang="en-US" dirty="0" smtClean="0"/>
+              <a:t>声明</a:t>
+            </a:r>
+            <a:endParaRPr lang="en-US" altLang="zh-CN" dirty="0" smtClean="0"/>
+          </a:p>
+          <a:p>
+            <a:pPr lvl="2"/>
+            <a:r>
+              <a:rPr lang="en-US" altLang="zh-CN" dirty="0" smtClean="0"/>
+              <a:t>$</a:t>
+            </a:r>
+          </a:p>
+          <a:p>
+            <a:pPr lvl="2"/>
+            <a:r>
+              <a:rPr lang="zh-CN" altLang="en-US" dirty="0" smtClean="0"/>
+              <a:t>合法的字符串</a:t>
+            </a:r>
+            <a:r>
+              <a:rPr lang="en-US" altLang="zh-CN" dirty="0" smtClean="0"/>
+              <a:t>(</a:t>
+            </a:r>
+            <a:r>
+              <a:rPr lang="zh-CN" altLang="en-US" dirty="0" smtClean="0"/>
+              <a:t>必须以下划线或字母开头，后接任意个数字、下划线、字母</a:t>
+            </a:r>
+            <a:r>
+              <a:rPr lang="en-US" altLang="zh-CN" dirty="0" smtClean="0"/>
+              <a:t>)</a:t>
+            </a:r>
+          </a:p>
+          <a:p>
+            <a:r>
+              <a:rPr lang="zh-CN" altLang="en-US" dirty="0" smtClean="0"/>
+              <a:t>访问方式</a:t>
+            </a:r>
+            <a:endParaRPr lang="en-US" altLang="zh-CN" dirty="0" smtClean="0"/>
+          </a:p>
+          <a:p>
+            <a:pPr lvl="1"/>
+            <a:r>
+              <a:rPr lang="zh-CN" altLang="en-US" dirty="0" smtClean="0"/>
+              <a:t>非静态属性 </a:t>
+            </a:r>
+            <a:r>
+              <a:rPr lang="en-US" altLang="zh-CN" dirty="0" smtClean="0"/>
+              <a:t>-&gt; / $this-&gt;</a:t>
+            </a:r>
+          </a:p>
+          <a:p>
+            <a:pPr lvl="1"/>
+            <a:r>
+              <a:rPr lang="zh-CN" altLang="en-US" dirty="0" smtClean="0"/>
+              <a:t>静态属性 </a:t>
+            </a:r>
+            <a:r>
+              <a:rPr lang="en-US" altLang="zh-CN" dirty="0" smtClean="0"/>
+              <a:t>:: / self::</a:t>
+            </a:r>
+          </a:p>
+        </p:txBody>
+      </p:sp>
+    </p:spTree>
+    <p:extLst>
+      <p:ext uri="{BB962C8B-B14F-4D97-AF65-F5344CB8AC3E}">
+        <p14:creationId xmlns:p14="http://schemas.microsoft.com/office/powerpoint/2010/main" val="4218055156"/>
+      </p:ext>
+    </p:extLst>
+  </p:cSld>
+  <p:clrMapOvr>
+    <a:masterClrMapping/>
+  </p:clrMapOvr>
+</p:sld>
+</file>
+
+<file path=ppt/slides/slide4.xml><?xml version="1.0" encoding="utf-8"?>
+<p:sld xmlns:a="http://schemas.openxmlformats.org/drawingml/2006/main" xmlns:r="http://schemas.openxmlformats.org/officeDocument/2006/relationships" xmlns:p="http://schemas.openxmlformats.org/presentationml/2006/main">
+  <p:cSld>
+    <p:spTree>
+      <p:nvGrpSpPr>
+        <p:cNvPr id="1" name=""/>
+        <p:cNvGrpSpPr/>
+        <p:nvPr/>
+      </p:nvGrpSpPr>
+      <p:grpSpPr>
+        <a:xfrm>
+          <a:off x="0" y="0"/>
+          <a:ext cx="0" cy="0"/>
+          <a:chOff x="0" y="0"/>
+          <a:chExt cx="0" cy="0"/>
+        </a:xfrm>
+      </p:grpSpPr>
+      <p:sp>
+        <p:nvSpPr>
+          <p:cNvPr id="2" name="标题 1"/>
+          <p:cNvSpPr>
+            <a:spLocks noGrp="1"/>
+          </p:cNvSpPr>
+          <p:nvPr>
+            <p:ph type="title"/>
+          </p:nvPr>
+        </p:nvSpPr>
+        <p:spPr/>
+        <p:txBody>
+          <a:bodyPr/>
+          <a:lstStyle/>
+          <a:p>
+            <a:r>
+              <a:rPr lang="zh-CN" altLang="en-US" dirty="0" smtClean="0"/>
+              <a:t>类常量</a:t>
+            </a:r>
+            <a:endParaRPr lang="zh-CN" altLang="en-US" dirty="0"/>
+          </a:p>
+        </p:txBody>
+      </p:sp>
+      <p:sp>
+        <p:nvSpPr>
+          <p:cNvPr id="3" name="内容占位符 2"/>
+          <p:cNvSpPr>
+            <a:spLocks noGrp="1"/>
+          </p:cNvSpPr>
+          <p:nvPr>
+            <p:ph idx="1"/>
+          </p:nvPr>
+        </p:nvSpPr>
+        <p:spPr/>
+        <p:txBody>
+          <a:bodyPr/>
+          <a:lstStyle/>
+          <a:p>
+            <a:r>
+              <a:rPr lang="zh-CN" altLang="en-US" dirty="0" smtClean="0"/>
+              <a:t>定义</a:t>
+            </a:r>
+            <a:endParaRPr lang="en-US" altLang="zh-CN" dirty="0" smtClean="0"/>
+          </a:p>
+          <a:p>
+            <a:pPr lvl="1"/>
+            <a:r>
+              <a:rPr lang="zh-CN" altLang="en-US" dirty="0" smtClean="0"/>
+              <a:t>在类中始终保持不变的值</a:t>
+            </a:r>
+            <a:endParaRPr lang="en-US" altLang="zh-CN" dirty="0" smtClean="0"/>
+          </a:p>
+          <a:p>
+            <a:r>
+              <a:rPr lang="zh-CN" altLang="en-US" dirty="0" smtClean="0"/>
+              <a:t>特点</a:t>
+            </a:r>
+            <a:endParaRPr lang="en-US" altLang="zh-CN" dirty="0" smtClean="0"/>
+          </a:p>
+          <a:p>
+            <a:pPr lvl="1"/>
+            <a:r>
+              <a:rPr lang="zh-CN" altLang="en-US" dirty="0" smtClean="0"/>
+              <a:t>定义和使用的时候不需要</a:t>
+            </a:r>
+            <a:r>
+              <a:rPr lang="en-US" altLang="zh-CN" dirty="0" smtClean="0"/>
+              <a:t>$</a:t>
+            </a:r>
+            <a:r>
+              <a:rPr lang="zh-CN" altLang="en-US" dirty="0" smtClean="0"/>
+              <a:t>符号</a:t>
+            </a:r>
+            <a:endParaRPr lang="en-US" altLang="zh-CN" dirty="0" smtClean="0"/>
+          </a:p>
+          <a:p>
+            <a:pPr lvl="1"/>
+            <a:r>
+              <a:rPr lang="zh-CN" altLang="en-US" dirty="0" smtClean="0"/>
+              <a:t>常量的值必须是一个定值</a:t>
+            </a:r>
+            <a:endParaRPr lang="en-US" altLang="zh-CN" dirty="0" smtClean="0"/>
+          </a:p>
+          <a:p>
+            <a:pPr lvl="1"/>
+            <a:r>
+              <a:rPr lang="zh-CN" altLang="en-US" dirty="0" smtClean="0"/>
+              <a:t>接口中也可以定义常量</a:t>
+            </a:r>
+            <a:endParaRPr lang="en-US" altLang="zh-CN" dirty="0" smtClean="0"/>
+          </a:p>
+          <a:p>
+            <a:r>
+              <a:rPr lang="zh-CN" altLang="en-US" dirty="0" smtClean="0"/>
+              <a:t>访问方式</a:t>
+            </a:r>
+            <a:endParaRPr lang="en-US" altLang="zh-CN" dirty="0" smtClean="0"/>
+          </a:p>
+          <a:p>
+            <a:pPr lvl="1"/>
+            <a:r>
+              <a:rPr lang="en-US" altLang="zh-CN" dirty="0" smtClean="0"/>
+              <a:t>$</a:t>
+            </a:r>
+            <a:r>
+              <a:rPr lang="en-US" altLang="zh-CN" dirty="0" err="1" smtClean="0"/>
+              <a:t>obj</a:t>
+            </a:r>
+            <a:r>
+              <a:rPr lang="en-US" altLang="zh-CN" dirty="0" smtClean="0"/>
+              <a:t>::constant</a:t>
+            </a:r>
+          </a:p>
+          <a:p>
+            <a:pPr lvl="1"/>
+            <a:r>
+              <a:rPr lang="en-US" altLang="zh-CN" dirty="0" smtClean="0"/>
+              <a:t>self::constant</a:t>
+            </a:r>
+          </a:p>
+          <a:p>
+            <a:pPr lvl="1"/>
+            <a:r>
+              <a:rPr lang="en-US" altLang="zh-CN" dirty="0" smtClean="0"/>
+              <a:t>class::constant</a:t>
+            </a:r>
+          </a:p>
+        </p:txBody>
+      </p:sp>
+    </p:spTree>
+    <p:extLst>
+      <p:ext uri="{BB962C8B-B14F-4D97-AF65-F5344CB8AC3E}">
+        <p14:creationId xmlns:p14="http://schemas.microsoft.com/office/powerpoint/2010/main" val="2311099065"/>
+      </p:ext>
+    </p:extLst>
+  </p:cSld>
+  <p:clrMapOvr>
+    <a:masterClrMapping/>
+  </p:clrMapOvr>
+</p:sld>
+</file>
+
+<file path=ppt/slides/slide5.xml><?xml version="1.0" encoding="utf-8"?>
+<p:sld xmlns:a="http://schemas.openxmlformats.org/drawingml/2006/main" xmlns:r="http://schemas.openxmlformats.org/officeDocument/2006/relationships" xmlns:p="http://schemas.openxmlformats.org/presentationml/2006/main">
+  <p:cSld>
+    <p:spTree>
+      <p:nvGrpSpPr>
+        <p:cNvPr id="1" name=""/>
+        <p:cNvGrpSpPr/>
+        <p:nvPr/>
+      </p:nvGrpSpPr>
+      <p:grpSpPr>
+        <a:xfrm>
+          <a:off x="0" y="0"/>
+          <a:ext cx="0" cy="0"/>
+          <a:chOff x="0" y="0"/>
+          <a:chExt cx="0" cy="0"/>
+        </a:xfrm>
+      </p:grpSpPr>
+      <p:sp>
+        <p:nvSpPr>
+          <p:cNvPr id="2" name="标题 1"/>
+          <p:cNvSpPr>
+            <a:spLocks noGrp="1"/>
+          </p:cNvSpPr>
+          <p:nvPr>
+            <p:ph type="title"/>
+          </p:nvPr>
+        </p:nvSpPr>
+        <p:spPr/>
+        <p:txBody>
+          <a:bodyPr/>
+          <a:lstStyle/>
+          <a:p>
+            <a:r>
+              <a:rPr lang="zh-CN" altLang="en-US" dirty="0" smtClean="0"/>
+              <a:t>自动加载类</a:t>
+            </a:r>
+            <a:endParaRPr lang="zh-CN" altLang="en-US" dirty="0"/>
+          </a:p>
+        </p:txBody>
+      </p:sp>
+      <p:sp>
+        <p:nvSpPr>
+          <p:cNvPr id="3" name="内容占位符 2"/>
+          <p:cNvSpPr>
+            <a:spLocks noGrp="1"/>
+          </p:cNvSpPr>
+          <p:nvPr>
+            <p:ph idx="1"/>
+          </p:nvPr>
+        </p:nvSpPr>
+        <p:spPr/>
+        <p:txBody>
+          <a:bodyPr/>
+          <a:lstStyle/>
+          <a:p>
+            <a:r>
+              <a:rPr lang="en-US" altLang="zh-CN" dirty="0" err="1" smtClean="0"/>
+              <a:t>spl_autoload_register</a:t>
+            </a:r>
+            <a:r>
+              <a:rPr lang="en-US" altLang="zh-CN" dirty="0" smtClean="0"/>
+              <a:t>()</a:t>
+            </a:r>
+          </a:p>
+          <a:p>
+            <a:r>
+              <a:rPr lang="zh-CN" altLang="en-US" dirty="0" smtClean="0"/>
+              <a:t>用来替代 </a:t>
+            </a:r>
+            <a:r>
+              <a:rPr lang="en-US" altLang="zh-CN" dirty="0" smtClean="0"/>
+              <a:t>require include </a:t>
+            </a:r>
+          </a:p>
+          <a:p>
+            <a:r>
+              <a:rPr lang="zh-CN" altLang="en-US" dirty="0" smtClean="0"/>
+              <a:t>在使用未定义的类时，先调用这个函数</a:t>
+            </a:r>
+            <a:endParaRPr lang="en-US" altLang="zh-CN" dirty="0" smtClean="0"/>
+          </a:p>
+        </p:txBody>
+      </p:sp>
+    </p:spTree>
+    <p:extLst>
+      <p:ext uri="{BB962C8B-B14F-4D97-AF65-F5344CB8AC3E}">
+        <p14:creationId xmlns:p14="http://schemas.microsoft.com/office/powerpoint/2010/main" val="2968625703"/>
+      </p:ext>
+    </p:extLst>
+  </p:cSld>
+  <p:clrMapOvr>
+    <a:masterClrMapping/>
+  </p:clrMapOvr>
+</p:sld>
+</file>
+
+<file path=ppt/slides/slide6.xml><?xml version="1.0" encoding="utf-8"?>
+<p:sld xmlns:a="http://schemas.openxmlformats.org/drawingml/2006/main" xmlns:r="http://schemas.openxmlformats.org/officeDocument/2006/relationships" xmlns:p="http://schemas.openxmlformats.org/presentationml/2006/main">
+  <p:cSld>
+    <p:spTree>
+      <p:nvGrpSpPr>
+        <p:cNvPr id="1" name=""/>
+        <p:cNvGrpSpPr/>
+        <p:nvPr/>
+      </p:nvGrpSpPr>
+      <p:grpSpPr>
+        <a:xfrm>
+          <a:off x="0" y="0"/>
+          <a:ext cx="0" cy="0"/>
+          <a:chOff x="0" y="0"/>
+          <a:chExt cx="0" cy="0"/>
+        </a:xfrm>
+      </p:grpSpPr>
+      <p:sp>
+        <p:nvSpPr>
+          <p:cNvPr id="2" name="标题 1"/>
+          <p:cNvSpPr>
+            <a:spLocks noGrp="1"/>
+          </p:cNvSpPr>
+          <p:nvPr>
+            <p:ph type="title"/>
+          </p:nvPr>
+        </p:nvSpPr>
+        <p:spPr/>
+        <p:txBody>
+          <a:bodyPr/>
+          <a:lstStyle/>
+          <a:p>
+            <a:r>
+              <a:rPr lang="zh-CN" altLang="en-US" dirty="0" smtClean="0"/>
+              <a:t>构造函数和析构函数</a:t>
+            </a:r>
+            <a:endParaRPr lang="zh-CN" altLang="en-US" dirty="0"/>
+          </a:p>
+        </p:txBody>
+      </p:sp>
+      <p:sp>
+        <p:nvSpPr>
+          <p:cNvPr id="3" name="内容占位符 2"/>
+          <p:cNvSpPr>
+            <a:spLocks noGrp="1"/>
+          </p:cNvSpPr>
+          <p:nvPr>
+            <p:ph idx="1"/>
+          </p:nvPr>
+        </p:nvSpPr>
+        <p:spPr/>
+        <p:txBody>
+          <a:bodyPr/>
+          <a:lstStyle/>
+          <a:p>
+            <a:r>
+              <a:rPr lang="zh-CN" altLang="en-US" dirty="0" smtClean="0"/>
+              <a:t>在</a:t>
+            </a:r>
+            <a:r>
+              <a:rPr lang="en-US" altLang="zh-CN" dirty="0" smtClean="0"/>
+              <a:t>new</a:t>
+            </a:r>
+            <a:r>
+              <a:rPr lang="zh-CN" altLang="en-US" dirty="0" smtClean="0"/>
+              <a:t>对象时，类的构造函数会被调用</a:t>
+            </a:r>
+            <a:endParaRPr lang="en-US" altLang="zh-CN" dirty="0" smtClean="0"/>
+          </a:p>
+          <a:p>
+            <a:pPr lvl="1"/>
+            <a:r>
+              <a:rPr lang="en-US" altLang="zh-CN" dirty="0" smtClean="0"/>
+              <a:t>__construct()</a:t>
+            </a:r>
+          </a:p>
+          <a:p>
+            <a:pPr lvl="1"/>
+            <a:r>
+              <a:rPr lang="zh-CN" altLang="en-US" dirty="0" smtClean="0"/>
+              <a:t>创建对象传入的参数会被传入到构造函数中</a:t>
+            </a:r>
+            <a:endParaRPr lang="en-US" altLang="zh-CN" dirty="0" smtClean="0"/>
+          </a:p>
+          <a:p>
+            <a:pPr lvl="1"/>
+            <a:r>
+              <a:rPr lang="zh-CN" altLang="en-US" dirty="0" smtClean="0"/>
+              <a:t>创建对象时的初始化操作</a:t>
+            </a:r>
+            <a:endParaRPr lang="en-US" altLang="zh-CN" dirty="0" smtClean="0"/>
+          </a:p>
+          <a:p>
+            <a:r>
+              <a:rPr lang="zh-CN" altLang="en-US" dirty="0" smtClean="0"/>
+              <a:t>在销毁对象时，类的析构函数会被调用</a:t>
+            </a:r>
+            <a:endParaRPr lang="en-US" altLang="zh-CN" dirty="0" smtClean="0"/>
+          </a:p>
+          <a:p>
+            <a:pPr lvl="1"/>
+            <a:r>
+              <a:rPr lang="en-US" altLang="zh-CN" dirty="0" smtClean="0"/>
+              <a:t>__destruct()</a:t>
+            </a:r>
+          </a:p>
+          <a:p>
+            <a:pPr lvl="1"/>
+            <a:r>
+              <a:rPr lang="zh-CN" altLang="en-US" dirty="0" smtClean="0"/>
+              <a:t>手动销毁 </a:t>
+            </a:r>
+            <a:r>
+              <a:rPr lang="en-US" altLang="zh-CN" dirty="0" smtClean="0"/>
+              <a:t>unset($</a:t>
+            </a:r>
+            <a:r>
+              <a:rPr lang="en-US" altLang="zh-CN" dirty="0" err="1" smtClean="0"/>
+              <a:t>obj</a:t>
+            </a:r>
+            <a:r>
+              <a:rPr lang="en-US" altLang="zh-CN" dirty="0" smtClean="0"/>
+              <a:t>)</a:t>
+            </a:r>
+          </a:p>
+          <a:p>
+            <a:pPr lvl="1"/>
+            <a:r>
+              <a:rPr lang="zh-CN" altLang="en-US" dirty="0" smtClean="0"/>
+              <a:t>脚本结束时自动销毁</a:t>
+            </a:r>
+            <a:endParaRPr lang="zh-CN" altLang="en-US" dirty="0"/>
+          </a:p>
+        </p:txBody>
+      </p:sp>
+    </p:spTree>
+    <p:extLst>
+      <p:ext uri="{BB962C8B-B14F-4D97-AF65-F5344CB8AC3E}">
+        <p14:creationId xmlns:p14="http://schemas.microsoft.com/office/powerpoint/2010/main" val="3217564552"/>
+      </p:ext>
+    </p:extLst>
+  </p:cSld>
+  <p:clrMapOvr>
+    <a:masterClrMapping/>
+  </p:clrMapOvr>
+</p:sld>
+</file>
+
+<file path=ppt/slides/slide7.xml><?xml version="1.0" encoding="utf-8"?>
+<p:sld xmlns:a="http://schemas.openxmlformats.org/drawingml/2006/main" xmlns:r="http://schemas.openxmlformats.org/officeDocument/2006/relationships" xmlns:p="http://schemas.openxmlformats.org/presentationml/2006/main">
+  <p:cSld>
+    <p:spTree>
+      <p:nvGrpSpPr>
+        <p:cNvPr id="1" name=""/>
+        <p:cNvGrpSpPr/>
+        <p:nvPr/>
+      </p:nvGrpSpPr>
+      <p:grpSpPr>
+        <a:xfrm>
+          <a:off x="0" y="0"/>
+          <a:ext cx="0" cy="0"/>
+          <a:chOff x="0" y="0"/>
+          <a:chExt cx="0" cy="0"/>
+        </a:xfrm>
+      </p:grpSpPr>
+      <p:sp>
+        <p:nvSpPr>
+          <p:cNvPr id="2" name="标题 1"/>
+          <p:cNvSpPr>
+            <a:spLocks noGrp="1"/>
+          </p:cNvSpPr>
+          <p:nvPr>
+            <p:ph type="title"/>
+          </p:nvPr>
+        </p:nvSpPr>
+        <p:spPr/>
+        <p:txBody>
+          <a:bodyPr/>
+          <a:lstStyle/>
+          <a:p>
+            <a:r>
+              <a:rPr lang="zh-CN" altLang="en-US" dirty="0" smtClean="0"/>
+              <a:t>访问控制</a:t>
+            </a:r>
+            <a:endParaRPr lang="zh-CN" altLang="en-US" dirty="0"/>
+          </a:p>
+        </p:txBody>
+      </p:sp>
+      <p:sp>
+        <p:nvSpPr>
+          <p:cNvPr id="3" name="内容占位符 2"/>
+          <p:cNvSpPr>
+            <a:spLocks noGrp="1"/>
+          </p:cNvSpPr>
+          <p:nvPr>
+            <p:ph idx="1"/>
+          </p:nvPr>
+        </p:nvSpPr>
+        <p:spPr/>
+        <p:txBody>
+          <a:bodyPr/>
+          <a:lstStyle/>
+          <a:p>
+            <a:r>
+              <a:rPr lang="en-US" altLang="zh-CN" dirty="0" smtClean="0"/>
+              <a:t>public</a:t>
+            </a:r>
+          </a:p>
+          <a:p>
+            <a:pPr lvl="1"/>
+            <a:r>
+              <a:rPr lang="zh-CN" altLang="en-US" dirty="0" smtClean="0"/>
+              <a:t>所有位置都可以访问</a:t>
+            </a:r>
+            <a:endParaRPr lang="en-US" altLang="zh-CN" dirty="0" smtClean="0"/>
+          </a:p>
+          <a:p>
+            <a:r>
+              <a:rPr lang="en-US" altLang="zh-CN" dirty="0" smtClean="0"/>
+              <a:t>protected</a:t>
+            </a:r>
+          </a:p>
+          <a:p>
+            <a:pPr lvl="1"/>
+            <a:r>
+              <a:rPr lang="zh-CN" altLang="en-US" dirty="0" smtClean="0"/>
+              <a:t>所属类、父类、子类可以访问</a:t>
+            </a:r>
+            <a:endParaRPr lang="en-US" altLang="zh-CN" dirty="0" smtClean="0"/>
+          </a:p>
+          <a:p>
+            <a:r>
+              <a:rPr lang="en-US" altLang="zh-CN" dirty="0" smtClean="0"/>
+              <a:t>private</a:t>
+            </a:r>
+          </a:p>
+          <a:p>
+            <a:pPr lvl="1"/>
+            <a:r>
+              <a:rPr lang="zh-CN" altLang="en-US" dirty="0" smtClean="0"/>
+              <a:t>只有所属类可以访问</a:t>
+            </a:r>
+            <a:endParaRPr lang="zh-CN" altLang="en-US" dirty="0"/>
+          </a:p>
+        </p:txBody>
+      </p:sp>
+    </p:spTree>
+    <p:extLst>
+      <p:ext uri="{BB962C8B-B14F-4D97-AF65-F5344CB8AC3E}">
+        <p14:creationId xmlns:p14="http://schemas.microsoft.com/office/powerpoint/2010/main" val="3863558211"/>
+      </p:ext>
+    </p:extLst>
+  </p:cSld>
+  <p:clrMapOvr>
+    <a:masterClrMapping/>
+  </p:clrMapOvr>
+</p:sld>
+</file>
+
+<file path=ppt/slides/slide8.xml><?xml version="1.0" encoding="utf-8"?>
+<p:sld xmlns:a="http://schemas.openxmlformats.org/drawingml/2006/main" xmlns:r="http://schemas.openxmlformats.org/officeDocument/2006/relationships" xmlns:p="http://schemas.openxmlformats.org/presentationml/2006/main">
+  <p:cSld>
+    <p:spTree>
+      <p:nvGrpSpPr>
+        <p:cNvPr id="1" name=""/>
+        <p:cNvGrpSpPr/>
+        <p:nvPr/>
+      </p:nvGrpSpPr>
+      <p:grpSpPr>
+        <a:xfrm>
+          <a:off x="0" y="0"/>
+          <a:ext cx="0" cy="0"/>
+          <a:chOff x="0" y="0"/>
+          <a:chExt cx="0" cy="0"/>
+        </a:xfrm>
+      </p:grpSpPr>
+      <p:sp>
+        <p:nvSpPr>
+          <p:cNvPr id="2" name="标题 1"/>
+          <p:cNvSpPr>
+            <a:spLocks noGrp="1"/>
+          </p:cNvSpPr>
+          <p:nvPr>
+            <p:ph type="title"/>
+          </p:nvPr>
+        </p:nvSpPr>
+        <p:spPr/>
+        <p:txBody>
+          <a:bodyPr/>
+          <a:lstStyle/>
+          <a:p>
+            <a:r>
+              <a:rPr lang="zh-CN" altLang="en-US" dirty="0" smtClean="0"/>
+              <a:t>对象继承</a:t>
+            </a:r>
+            <a:endParaRPr lang="zh-CN" altLang="en-US" dirty="0"/>
+          </a:p>
+        </p:txBody>
+      </p:sp>
+      <p:sp>
+        <p:nvSpPr>
+          <p:cNvPr id="3" name="内容占位符 2"/>
+          <p:cNvSpPr>
+            <a:spLocks noGrp="1"/>
+          </p:cNvSpPr>
+          <p:nvPr>
+            <p:ph idx="1"/>
+          </p:nvPr>
+        </p:nvSpPr>
+        <p:spPr/>
+        <p:txBody>
+          <a:bodyPr/>
+          <a:lstStyle/>
+          <a:p>
+            <a:r>
+              <a:rPr lang="zh-CN" altLang="en-US" dirty="0" smtClean="0"/>
+              <a:t>子类会继承所有共有的和受保护的方法与属性与常量</a:t>
+            </a:r>
+            <a:endParaRPr lang="en-US" altLang="zh-CN" dirty="0" smtClean="0"/>
+          </a:p>
+          <a:p>
+            <a:r>
+              <a:rPr lang="en-US" altLang="zh-CN" dirty="0" smtClean="0"/>
+              <a:t>extends </a:t>
+            </a:r>
+            <a:r>
+              <a:rPr lang="zh-CN" altLang="en-US" dirty="0" smtClean="0"/>
+              <a:t>关键字</a:t>
+            </a:r>
+            <a:endParaRPr lang="en-US" altLang="zh-CN" dirty="0" smtClean="0"/>
+          </a:p>
+          <a:p>
+            <a:r>
+              <a:rPr lang="zh-CN" altLang="en-US" dirty="0"/>
+              <a:t>子</a:t>
+            </a:r>
+            <a:r>
+              <a:rPr lang="zh-CN" altLang="en-US" dirty="0" smtClean="0"/>
+              <a:t>类可以覆盖父类的方法和属性</a:t>
+            </a:r>
+            <a:r>
+              <a:rPr lang="en-US" altLang="zh-CN" dirty="0" smtClean="0"/>
+              <a:t>(</a:t>
+            </a:r>
+            <a:r>
+              <a:rPr lang="zh-CN" altLang="en-US" dirty="0" smtClean="0"/>
+              <a:t>方法的参数必须一致</a:t>
+            </a:r>
+            <a:r>
+              <a:rPr lang="en-US" altLang="zh-CN" dirty="0" smtClean="0"/>
+              <a:t>)</a:t>
+            </a:r>
+            <a:endParaRPr lang="zh-CN" altLang="en-US" dirty="0"/>
+          </a:p>
+        </p:txBody>
+      </p:sp>
+    </p:spTree>
+    <p:extLst>
+      <p:ext uri="{BB962C8B-B14F-4D97-AF65-F5344CB8AC3E}">
+        <p14:creationId xmlns:p14="http://schemas.microsoft.com/office/powerpoint/2010/main" val="2735313006"/>
+      </p:ext>
+    </p:extLst>
+  </p:cSld>
+  <p:clrMapOvr>
+    <a:masterClrMapping/>
+  </p:clrMapOvr>
+</p:sld>
+</file>
+
+<file path=ppt/slides/slide9.xml><?xml version="1.0" encoding="utf-8"?>
+<p:sld xmlns:a="http://schemas.openxmlformats.org/drawingml/2006/main" xmlns:r="http://schemas.openxmlformats.org/officeDocument/2006/relationships" xmlns:p="http://schemas.openxmlformats.org/presentationml/2006/main">
+  <p:cSld>
+    <p:spTree>
+      <p:nvGrpSpPr>
+        <p:cNvPr id="1" name=""/>
+        <p:cNvGrpSpPr/>
+        <p:nvPr/>
+      </p:nvGrpSpPr>
+      <p:grpSpPr>
+        <a:xfrm>
+          <a:off x="0" y="0"/>
+          <a:ext cx="0" cy="0"/>
+          <a:chOff x="0" y="0"/>
+          <a:chExt cx="0" cy="0"/>
+        </a:xfrm>
+      </p:grpSpPr>
+      <p:sp>
+        <p:nvSpPr>
+          <p:cNvPr id="2" name="标题 1"/>
+          <p:cNvSpPr>
+            <a:spLocks noGrp="1"/>
+          </p:cNvSpPr>
+          <p:nvPr>
+            <p:ph type="title"/>
+          </p:nvPr>
+        </p:nvSpPr>
+        <p:spPr/>
+        <p:txBody>
+          <a:bodyPr/>
+          <a:lstStyle/>
+          <a:p>
+            <a:r>
+              <a:rPr lang="zh-CN" altLang="en-US" dirty="0" smtClean="0"/>
+              <a:t>范围解析操作符 </a:t>
+            </a:r>
+            <a:r>
+              <a:rPr lang="en-US" altLang="zh-CN" dirty="0" smtClean="0"/>
+              <a:t>::</a:t>
+            </a:r>
+            <a:endParaRPr lang="zh-CN" altLang="en-US" dirty="0"/>
+          </a:p>
+        </p:txBody>
+      </p:sp>
+      <p:sp>
+        <p:nvSpPr>
+          <p:cNvPr id="3" name="内容占位符 2"/>
+          <p:cNvSpPr>
+            <a:spLocks noGrp="1"/>
+          </p:cNvSpPr>
+          <p:nvPr>
+            <p:ph idx="1"/>
+          </p:nvPr>
+        </p:nvSpPr>
+        <p:spPr/>
+        <p:txBody>
+          <a:bodyPr/>
+          <a:lstStyle/>
+          <a:p>
+            <a:r>
+              <a:rPr lang="zh-CN" altLang="en-US" dirty="0" smtClean="0"/>
+              <a:t>一对冒号</a:t>
+            </a:r>
+            <a:endParaRPr lang="en-US" altLang="zh-CN" dirty="0" smtClean="0"/>
+          </a:p>
+          <a:p>
+            <a:r>
+              <a:rPr lang="zh-CN" altLang="en-US" dirty="0" smtClean="0"/>
+              <a:t>用于</a:t>
+            </a:r>
+            <a:endParaRPr lang="en-US" altLang="zh-CN" dirty="0" smtClean="0"/>
+          </a:p>
+          <a:p>
+            <a:pPr lvl="1"/>
+            <a:r>
+              <a:rPr lang="zh-CN" altLang="en-US" dirty="0" smtClean="0"/>
+              <a:t>访问静态成员</a:t>
+            </a:r>
+            <a:endParaRPr lang="en-US" altLang="zh-CN" dirty="0" smtClean="0"/>
+          </a:p>
+          <a:p>
+            <a:pPr lvl="2"/>
+            <a:r>
+              <a:rPr lang="zh-CN" altLang="en-US" dirty="0" smtClean="0"/>
+              <a:t>静态变量</a:t>
+            </a:r>
+            <a:endParaRPr lang="en-US" altLang="zh-CN" dirty="0" smtClean="0"/>
+          </a:p>
+          <a:p>
+            <a:pPr lvl="2"/>
+            <a:r>
+              <a:rPr lang="zh-CN" altLang="en-US" dirty="0" smtClean="0"/>
+              <a:t>静态方法</a:t>
+            </a:r>
+            <a:endParaRPr lang="en-US" altLang="zh-CN" dirty="0" smtClean="0"/>
+          </a:p>
+          <a:p>
+            <a:pPr lvl="1"/>
+            <a:r>
+              <a:rPr lang="zh-CN" altLang="en-US" dirty="0" smtClean="0"/>
+              <a:t>访问类常量</a:t>
+            </a:r>
+            <a:endParaRPr lang="en-US" altLang="zh-CN" dirty="0" smtClean="0"/>
+          </a:p>
+          <a:p>
+            <a:pPr lvl="1"/>
+            <a:r>
+              <a:rPr lang="zh-CN" altLang="en-US" dirty="0" smtClean="0"/>
+              <a:t>访问类名</a:t>
+            </a:r>
+            <a:endParaRPr lang="en-US" altLang="zh-CN" dirty="0" smtClean="0"/>
+          </a:p>
+          <a:p>
+            <a:pPr lvl="1"/>
+            <a:endParaRPr lang="zh-CN" altLang="en-US" dirty="0"/>
+          </a:p>
+        </p:txBody>
+      </p:sp>
+    </p:spTree>
+    <p:extLst>
+      <p:ext uri="{BB962C8B-B14F-4D97-AF65-F5344CB8AC3E}">
+        <p14:creationId xmlns:p14="http://schemas.microsoft.com/office/powerpoint/2010/main" val="3242222104"/>
+      </p:ext>
+    </p:extLst>
+  </p:cSld>
+  <p:clrMapOvr>
+    <a:masterClrMapping/>
+  </p:clrMapOvr>
+</p:sld>
+</file>
+
 <file path=ppt/theme/theme1.xml><?xml version="1.0" encoding="utf-8"?>
 <a:theme xmlns:a="http://schemas.openxmlformats.org/drawingml/2006/main" name="Office 主题">
   <a:themeElements>
